--- a/presentation.pptx
+++ b/presentation.pptx
@@ -9,11 +9,11 @@
   </p:notesMasterIdLst>
   <p:sldIdLst>
     <p:sldId id="256" r:id="rId2"/>
-    <p:sldId id="258" r:id="rId3"/>
-    <p:sldId id="261" r:id="rId4"/>
-    <p:sldId id="265" r:id="rId5"/>
-    <p:sldId id="266" r:id="rId6"/>
-    <p:sldId id="267" r:id="rId7"/>
+    <p:sldId id="261" r:id="rId3"/>
+    <p:sldId id="265" r:id="rId4"/>
+    <p:sldId id="266" r:id="rId5"/>
+    <p:sldId id="267" r:id="rId6"/>
+    <p:sldId id="258" r:id="rId7"/>
     <p:sldId id="268" r:id="rId8"/>
     <p:sldId id="269" r:id="rId9"/>
     <p:sldId id="270" r:id="rId10"/>
@@ -548,7 +548,7 @@
           <a:p>
             <a:fld id="{600AFED2-5958-BF4A-BDF1-EF386C5007AD}" type="slidenum">
               <a:rPr lang="en-US" smtClean="0"/>
-              <a:t>5</a:t>
+              <a:t>4</a:t>
             </a:fld>
             <a:endParaRPr lang="en-US"/>
           </a:p>
@@ -632,7 +632,7 @@
           <a:p>
             <a:fld id="{600AFED2-5958-BF4A-BDF1-EF386C5007AD}" type="slidenum">
               <a:rPr lang="en-US" smtClean="0"/>
-              <a:t>6</a:t>
+              <a:t>5</a:t>
             </a:fld>
             <a:endParaRPr lang="en-US"/>
           </a:p>
@@ -4393,6 +4393,13 @@
   <p:clrMapOvr>
     <a:masterClrMapping/>
   </p:clrMapOvr>
+  <p:timing>
+    <p:tnLst>
+      <p:par>
+        <p:cTn id="1" dur="indefinite" restart="never" nodeType="tmRoot"/>
+      </p:par>
+    </p:tnLst>
+  </p:timing>
 </p:sld>
 </file>
 
@@ -4782,6 +4789,13 @@
   <p:clrMapOvr>
     <a:masterClrMapping/>
   </p:clrMapOvr>
+  <p:timing>
+    <p:tnLst>
+      <p:par>
+        <p:cTn id="1" dur="indefinite" restart="never" nodeType="tmRoot"/>
+      </p:par>
+    </p:tnLst>
+  </p:timing>
 </p:sld>
 </file>
 
@@ -5072,6 +5086,13 @@
   <p:clrMapOvr>
     <a:masterClrMapping/>
   </p:clrMapOvr>
+  <p:timing>
+    <p:tnLst>
+      <p:par>
+        <p:cTn id="1" dur="indefinite" restart="never" nodeType="tmRoot"/>
+      </p:par>
+    </p:tnLst>
+  </p:timing>
 </p:sld>
 </file>
 
@@ -5326,6 +5347,13 @@
   <p:clrMapOvr>
     <a:masterClrMapping/>
   </p:clrMapOvr>
+  <p:timing>
+    <p:tnLst>
+      <p:par>
+        <p:cTn id="1" dur="indefinite" restart="never" nodeType="tmRoot"/>
+      </p:par>
+    </p:tnLst>
+  </p:timing>
 </p:sld>
 </file>
 
@@ -5592,6 +5620,13 @@
   <p:clrMapOvr>
     <a:masterClrMapping/>
   </p:clrMapOvr>
+  <p:timing>
+    <p:tnLst>
+      <p:par>
+        <p:cTn id="1" dur="indefinite" restart="never" nodeType="tmRoot"/>
+      </p:par>
+    </p:tnLst>
+  </p:timing>
 </p:sld>
 </file>
 
@@ -5881,6 +5916,13 @@
   <p:clrMapOvr>
     <a:masterClrMapping/>
   </p:clrMapOvr>
+  <p:timing>
+    <p:tnLst>
+      <p:par>
+        <p:cTn id="1" dur="indefinite" restart="never" nodeType="tmRoot"/>
+      </p:par>
+    </p:tnLst>
+  </p:timing>
 </p:sld>
 </file>
 
@@ -6670,6 +6712,13 @@
   <p:clrMapOvr>
     <a:masterClrMapping/>
   </p:clrMapOvr>
+  <p:timing>
+    <p:tnLst>
+      <p:par>
+        <p:cTn id="1" dur="indefinite" restart="never" nodeType="tmRoot"/>
+      </p:par>
+    </p:tnLst>
+  </p:timing>
 </p:sld>
 </file>
 
@@ -7208,6 +7257,13 @@
   <p:clrMapOvr>
     <a:masterClrMapping/>
   </p:clrMapOvr>
+  <p:timing>
+    <p:tnLst>
+      <p:par>
+        <p:cTn id="1" dur="indefinite" restart="never" nodeType="tmRoot"/>
+      </p:par>
+    </p:tnLst>
+  </p:timing>
 </p:sld>
 </file>
 
@@ -7547,6 +7603,13 @@
   <p:clrMapOvr>
     <a:masterClrMapping/>
   </p:clrMapOvr>
+  <p:timing>
+    <p:tnLst>
+      <p:par>
+        <p:cTn id="1" dur="indefinite" restart="never" nodeType="tmRoot"/>
+      </p:par>
+    </p:tnLst>
+  </p:timing>
 </p:sld>
 </file>
 
@@ -8064,6 +8127,13 @@
   <p:clrMapOvr>
     <a:masterClrMapping/>
   </p:clrMapOvr>
+  <p:timing>
+    <p:tnLst>
+      <p:par>
+        <p:cTn id="1" dur="indefinite" restart="never" nodeType="tmRoot"/>
+      </p:par>
+    </p:tnLst>
+  </p:timing>
 </p:sld>
 </file>
 
@@ -8374,6 +8444,13 @@
   <p:clrMapOvr>
     <a:masterClrMapping/>
   </p:clrMapOvr>
+  <p:timing>
+    <p:tnLst>
+      <p:par>
+        <p:cTn id="1" dur="indefinite" restart="never" nodeType="tmRoot"/>
+      </p:par>
+    </p:tnLst>
+  </p:timing>
 </p:sld>
 </file>
 
@@ -8411,7 +8488,15 @@
           <a:p>
             <a:r>
               <a:rPr lang="en-US" dirty="0" smtClean="0"/>
-              <a:t>Motivation</a:t>
+              <a:t>Background </a:t>
+            </a:r>
+            <a:r>
+              <a:rPr lang="mr-IN" dirty="0" smtClean="0"/>
+              <a:t>–</a:t>
+            </a:r>
+            <a:r>
+              <a:rPr lang="en-US" dirty="0" smtClean="0"/>
+              <a:t> Solar Generation</a:t>
             </a:r>
             <a:endParaRPr lang="en-US" dirty="0"/>
           </a:p>
@@ -8436,284 +8521,91 @@
           <a:p>
             <a:r>
               <a:rPr lang="en-US" altLang="zh-TW" sz="2800" dirty="0" smtClean="0"/>
-              <a:t>Technique</a:t>
-            </a:r>
-            <a:r>
-              <a:rPr lang="zh-TW" altLang="en-US" sz="2800" dirty="0" smtClean="0"/>
-              <a:t> </a:t>
-            </a:r>
-            <a:r>
-              <a:rPr lang="en-US" altLang="zh-TW" sz="2800" dirty="0" smtClean="0"/>
-              <a:t>of</a:t>
-            </a:r>
-            <a:r>
-              <a:rPr lang="zh-TW" altLang="en-US" sz="2800" dirty="0" smtClean="0"/>
-              <a:t> </a:t>
-            </a:r>
-            <a:r>
-              <a:rPr lang="en-US" altLang="zh-TW" sz="2800" dirty="0" smtClean="0"/>
-              <a:t>solar</a:t>
-            </a:r>
-            <a:r>
-              <a:rPr lang="zh-TW" altLang="en-US" sz="2800" dirty="0" smtClean="0"/>
-              <a:t> </a:t>
-            </a:r>
-            <a:r>
-              <a:rPr lang="en-US" altLang="zh-TW" sz="2800" dirty="0" smtClean="0"/>
-              <a:t>panel</a:t>
-            </a:r>
-            <a:r>
-              <a:rPr lang="zh-TW" altLang="en-US" sz="2800" dirty="0" smtClean="0"/>
-              <a:t> </a:t>
-            </a:r>
-            <a:r>
-              <a:rPr lang="en-US" altLang="zh-TW" sz="2800" dirty="0" smtClean="0"/>
-              <a:t>improved</a:t>
-            </a:r>
-            <a:r>
-              <a:rPr lang="zh-TW" altLang="en-US" sz="2800" dirty="0" smtClean="0"/>
-              <a:t> </a:t>
-            </a:r>
-            <a:r>
-              <a:rPr lang="en-US" altLang="zh-TW" sz="2800" dirty="0" smtClean="0"/>
-              <a:t>and</a:t>
-            </a:r>
-            <a:r>
-              <a:rPr lang="zh-TW" altLang="en-US" sz="2800" dirty="0" smtClean="0"/>
-              <a:t> </a:t>
-            </a:r>
-            <a:r>
-              <a:rPr lang="en-US" altLang="zh-TW" sz="2800" dirty="0" smtClean="0"/>
-              <a:t>become</a:t>
-            </a:r>
-            <a:r>
-              <a:rPr lang="zh-TW" altLang="en-US" sz="2800" dirty="0" smtClean="0"/>
-              <a:t> </a:t>
-            </a:r>
-            <a:r>
-              <a:rPr lang="en-US" altLang="zh-TW" sz="2800" dirty="0" smtClean="0"/>
-              <a:t>more</a:t>
-            </a:r>
-            <a:r>
-              <a:rPr lang="zh-TW" altLang="en-US" sz="2800" dirty="0" smtClean="0"/>
-              <a:t> </a:t>
-            </a:r>
-            <a:r>
-              <a:rPr lang="en-US" altLang="zh-TW" sz="2800" dirty="0" smtClean="0"/>
-              <a:t>popular</a:t>
-            </a:r>
-            <a:r>
-              <a:rPr lang="zh-TW" altLang="en-US" sz="2800" dirty="0" smtClean="0"/>
-              <a:t> </a:t>
-            </a:r>
-            <a:r>
-              <a:rPr lang="en-US" altLang="zh-TW" sz="2800" dirty="0" smtClean="0"/>
-              <a:t>these</a:t>
-            </a:r>
-            <a:r>
-              <a:rPr lang="zh-TW" altLang="en-US" sz="2800" dirty="0" smtClean="0"/>
-              <a:t> </a:t>
-            </a:r>
-            <a:r>
-              <a:rPr lang="en-US" altLang="zh-TW" sz="2800" dirty="0" smtClean="0"/>
-              <a:t>days</a:t>
-            </a:r>
-          </a:p>
-          <a:p>
-            <a:r>
-              <a:rPr lang="en-US" altLang="zh-TW" sz="2800" dirty="0" smtClean="0"/>
-              <a:t>We’re</a:t>
-            </a:r>
-            <a:r>
-              <a:rPr lang="zh-TW" altLang="en-US" sz="2800" dirty="0" smtClean="0"/>
-              <a:t> </a:t>
-            </a:r>
-            <a:r>
-              <a:rPr lang="en-US" altLang="zh-TW" sz="2800" dirty="0" smtClean="0"/>
-              <a:t>able</a:t>
-            </a:r>
-            <a:r>
-              <a:rPr lang="zh-TW" altLang="en-US" sz="2800" dirty="0" smtClean="0"/>
-              <a:t> </a:t>
-            </a:r>
-            <a:r>
-              <a:rPr lang="en-US" altLang="zh-TW" sz="2800" dirty="0" smtClean="0"/>
-              <a:t>to</a:t>
-            </a:r>
-            <a:r>
-              <a:rPr lang="zh-TW" altLang="en-US" sz="2800" dirty="0" smtClean="0"/>
-              <a:t> </a:t>
-            </a:r>
-            <a:r>
-              <a:rPr lang="en-US" altLang="zh-TW" sz="2800" dirty="0" smtClean="0"/>
-              <a:t>control</a:t>
-            </a:r>
-            <a:r>
-              <a:rPr lang="zh-TW" altLang="en-US" sz="2800" dirty="0" smtClean="0"/>
-              <a:t> </a:t>
-            </a:r>
-            <a:r>
-              <a:rPr lang="en-US" altLang="zh-TW" sz="2800" dirty="0" smtClean="0"/>
-              <a:t>the</a:t>
-            </a:r>
-            <a:r>
-              <a:rPr lang="zh-TW" altLang="en-US" sz="2800" dirty="0" smtClean="0"/>
-              <a:t> </a:t>
-            </a:r>
-            <a:r>
-              <a:rPr lang="en-US" altLang="zh-TW" sz="2800" dirty="0" smtClean="0"/>
-              <a:t>producing</a:t>
-            </a:r>
-            <a:r>
-              <a:rPr lang="zh-TW" altLang="en-US" sz="2800" dirty="0" smtClean="0"/>
-              <a:t> </a:t>
-            </a:r>
-            <a:r>
-              <a:rPr lang="en-US" altLang="zh-TW" sz="2800" dirty="0" smtClean="0"/>
-              <a:t>rate</a:t>
-            </a:r>
-            <a:r>
-              <a:rPr lang="zh-TW" altLang="en-US" sz="2800" dirty="0" smtClean="0"/>
-              <a:t> </a:t>
-            </a:r>
-            <a:r>
-              <a:rPr lang="en-US" altLang="zh-TW" sz="2800" dirty="0" smtClean="0"/>
-              <a:t>of</a:t>
-            </a:r>
-            <a:r>
-              <a:rPr lang="zh-TW" altLang="en-US" sz="2800" dirty="0" smtClean="0"/>
-              <a:t> </a:t>
-            </a:r>
-            <a:r>
-              <a:rPr lang="en-US" altLang="zh-TW" sz="2800" dirty="0" smtClean="0"/>
-              <a:t>solar</a:t>
-            </a:r>
-            <a:r>
-              <a:rPr lang="zh-TW" altLang="en-US" sz="2800" dirty="0" smtClean="0"/>
-              <a:t> </a:t>
-            </a:r>
-            <a:r>
-              <a:rPr lang="en-US" altLang="zh-TW" sz="2800" dirty="0" smtClean="0"/>
-              <a:t>panel.</a:t>
-            </a:r>
-            <a:r>
-              <a:rPr lang="zh-TW" altLang="en-US" sz="2800" dirty="0" smtClean="0"/>
-              <a:t> </a:t>
-            </a:r>
-            <a:r>
-              <a:rPr lang="en-US" altLang="zh-TW" sz="2800" dirty="0" smtClean="0"/>
-              <a:t>Are</a:t>
-            </a:r>
-            <a:r>
-              <a:rPr lang="zh-TW" altLang="en-US" sz="2800" dirty="0" smtClean="0"/>
-              <a:t> </a:t>
-            </a:r>
-            <a:r>
-              <a:rPr lang="en-US" altLang="zh-TW" sz="2800" dirty="0" smtClean="0"/>
-              <a:t>we</a:t>
-            </a:r>
-            <a:r>
-              <a:rPr lang="zh-TW" altLang="en-US" sz="2800" dirty="0" smtClean="0"/>
-              <a:t> </a:t>
-            </a:r>
-            <a:r>
-              <a:rPr lang="en-US" altLang="zh-TW" sz="2800" dirty="0" smtClean="0"/>
-              <a:t>able</a:t>
-            </a:r>
-            <a:r>
-              <a:rPr lang="zh-TW" altLang="en-US" sz="2800" dirty="0" smtClean="0"/>
-              <a:t> </a:t>
-            </a:r>
-            <a:r>
-              <a:rPr lang="en-US" altLang="zh-TW" sz="2800" dirty="0" smtClean="0"/>
-              <a:t>to</a:t>
-            </a:r>
-            <a:r>
-              <a:rPr lang="zh-TW" altLang="en-US" sz="2800" dirty="0" smtClean="0"/>
-              <a:t> </a:t>
-            </a:r>
-            <a:r>
-              <a:rPr lang="en-US" altLang="zh-TW" sz="2800" dirty="0" smtClean="0"/>
-              <a:t>well</a:t>
-            </a:r>
-            <a:r>
-              <a:rPr lang="zh-TW" altLang="en-US" sz="2800" dirty="0" smtClean="0"/>
-              <a:t> </a:t>
-            </a:r>
-            <a:r>
-              <a:rPr lang="en-US" altLang="zh-TW" sz="2800" dirty="0" smtClean="0"/>
-              <a:t>use</a:t>
-            </a:r>
-            <a:r>
-              <a:rPr lang="zh-TW" altLang="en-US" sz="2800" dirty="0" smtClean="0"/>
-              <a:t> </a:t>
-            </a:r>
-            <a:r>
-              <a:rPr lang="en-US" altLang="zh-TW" sz="2800" dirty="0" smtClean="0"/>
-              <a:t>those</a:t>
-            </a:r>
-            <a:r>
-              <a:rPr lang="zh-TW" altLang="en-US" sz="2800" dirty="0" smtClean="0"/>
-              <a:t> </a:t>
-            </a:r>
-            <a:r>
-              <a:rPr lang="en-US" altLang="zh-TW" sz="2800" dirty="0" smtClean="0"/>
-              <a:t>surplus</a:t>
-            </a:r>
-            <a:r>
-              <a:rPr lang="zh-TW" altLang="en-US" sz="2800" dirty="0" smtClean="0"/>
-              <a:t> </a:t>
-            </a:r>
-            <a:r>
-              <a:rPr lang="en-US" altLang="zh-TW" sz="2800" dirty="0" smtClean="0"/>
-              <a:t>electricity</a:t>
-            </a:r>
-            <a:r>
-              <a:rPr lang="zh-TW" altLang="en-US" sz="2800" dirty="0" smtClean="0"/>
-              <a:t> </a:t>
-            </a:r>
-            <a:r>
-              <a:rPr lang="en-US" altLang="zh-TW" sz="2800" dirty="0" smtClean="0"/>
-              <a:t>rather</a:t>
-            </a:r>
-            <a:r>
-              <a:rPr lang="zh-TW" altLang="en-US" sz="2800" dirty="0" smtClean="0"/>
-              <a:t> </a:t>
-            </a:r>
-            <a:r>
-              <a:rPr lang="en-US" altLang="zh-TW" sz="2800" dirty="0" smtClean="0"/>
-              <a:t>than</a:t>
-            </a:r>
-            <a:r>
-              <a:rPr lang="zh-TW" altLang="en-US" sz="2800" dirty="0" smtClean="0"/>
-              <a:t> </a:t>
-            </a:r>
-            <a:r>
-              <a:rPr lang="en-US" altLang="zh-TW" sz="2800" dirty="0" smtClean="0"/>
-              <a:t>reducing</a:t>
-            </a:r>
-            <a:r>
-              <a:rPr lang="zh-TW" altLang="en-US" sz="2800" dirty="0" smtClean="0"/>
-              <a:t> </a:t>
-            </a:r>
-            <a:r>
-              <a:rPr lang="en-US" altLang="zh-TW" sz="2800" dirty="0" smtClean="0"/>
-              <a:t>them.</a:t>
+              <a:t>Productivity</a:t>
+            </a:r>
+            <a:r>
+              <a:rPr lang="zh-TW" altLang="en-US" sz="2800" dirty="0" smtClean="0"/>
+              <a:t> </a:t>
+            </a:r>
+            <a:r>
+              <a:rPr lang="en-US" altLang="zh-TW" sz="2800" dirty="0" smtClean="0"/>
+              <a:t>depends</a:t>
+            </a:r>
+            <a:r>
+              <a:rPr lang="zh-TW" altLang="en-US" sz="2800" dirty="0" smtClean="0"/>
+              <a:t> </a:t>
+            </a:r>
+            <a:r>
+              <a:rPr lang="en-US" altLang="zh-TW" sz="2800" dirty="0" smtClean="0"/>
+              <a:t>on</a:t>
+            </a:r>
+            <a:r>
+              <a:rPr lang="zh-TW" altLang="en-US" sz="2800" dirty="0" smtClean="0"/>
+              <a:t> </a:t>
+            </a:r>
+            <a:r>
+              <a:rPr lang="en-US" altLang="zh-TW" sz="2800" dirty="0" smtClean="0"/>
+              <a:t>weather</a:t>
+            </a:r>
+            <a:r>
+              <a:rPr lang="zh-TW" altLang="en-US" sz="2800" dirty="0" smtClean="0"/>
+              <a:t> </a:t>
+            </a:r>
+            <a:r>
+              <a:rPr lang="en-US" altLang="zh-TW" sz="2800" dirty="0" smtClean="0"/>
+              <a:t>condition</a:t>
             </a:r>
             <a:endParaRPr lang="en-US" sz="2800" dirty="0"/>
           </a:p>
         </p:txBody>
       </p:sp>
+      <p:pic>
+        <p:nvPicPr>
+          <p:cNvPr id="4" name="Picture 3"/>
+          <p:cNvPicPr>
+            <a:picLocks noChangeAspect="1"/>
+          </p:cNvPicPr>
+          <p:nvPr/>
+        </p:nvPicPr>
+        <p:blipFill>
+          <a:blip r:embed="rId2">
+            <a:extLst>
+              <a:ext uri="{28A0092B-C50C-407E-A947-70E740481C1C}">
+                <a14:useLocalDpi xmlns:a14="http://schemas.microsoft.com/office/drawing/2010/main" val="0"/>
+              </a:ext>
+            </a:extLst>
+          </a:blip>
+          <a:stretch>
+            <a:fillRect/>
+          </a:stretch>
+        </p:blipFill>
+        <p:spPr>
+          <a:xfrm>
+            <a:off x="3054096" y="2891396"/>
+            <a:ext cx="6620256" cy="3620915"/>
+          </a:xfrm>
+          <a:prstGeom prst="rect">
+            <a:avLst/>
+          </a:prstGeom>
+        </p:spPr>
+      </p:pic>
     </p:spTree>
     <p:extLst>
       <p:ext uri="{BB962C8B-B14F-4D97-AF65-F5344CB8AC3E}">
-        <p14:creationId xmlns:p14="http://schemas.microsoft.com/office/powerpoint/2010/main" val="1564100673"/>
+        <p14:creationId xmlns:p14="http://schemas.microsoft.com/office/powerpoint/2010/main" val="2106394013"/>
       </p:ext>
     </p:extLst>
   </p:cSld>
   <p:clrMapOvr>
     <a:masterClrMapping/>
   </p:clrMapOvr>
+  <p:timing>
+    <p:tnLst>
+      <p:par>
+        <p:cTn id="1" dur="indefinite" restart="never" nodeType="tmRoot"/>
+      </p:par>
+    </p:tnLst>
+  </p:timing>
 </p:sld>
 </file>
 
@@ -9043,6 +8935,13 @@
   <p:clrMapOvr>
     <a:masterClrMapping/>
   </p:clrMapOvr>
+  <p:timing>
+    <p:tnLst>
+      <p:par>
+        <p:cTn id="1" dur="indefinite" restart="never" nodeType="tmRoot"/>
+      </p:par>
+    </p:tnLst>
+  </p:timing>
 </p:sld>
 </file>
 
@@ -9126,6 +9025,13 @@
   <p:clrMapOvr>
     <a:masterClrMapping/>
   </p:clrMapOvr>
+  <p:timing>
+    <p:tnLst>
+      <p:par>
+        <p:cTn id="1" dur="indefinite" restart="never" nodeType="tmRoot"/>
+      </p:par>
+    </p:tnLst>
+  </p:timing>
 </p:sld>
 </file>
 
@@ -9584,6 +9490,13 @@
   <p:clrMapOvr>
     <a:masterClrMapping/>
   </p:clrMapOvr>
+  <p:timing>
+    <p:tnLst>
+      <p:par>
+        <p:cTn id="1" dur="indefinite" restart="never" nodeType="tmRoot"/>
+      </p:par>
+    </p:tnLst>
+  </p:timing>
 </p:sld>
 </file>
 
@@ -9930,6 +9843,13 @@
   <p:clrMapOvr>
     <a:masterClrMapping/>
   </p:clrMapOvr>
+  <p:timing>
+    <p:tnLst>
+      <p:par>
+        <p:cTn id="1" dur="indefinite" restart="never" nodeType="tmRoot"/>
+      </p:par>
+    </p:tnLst>
+  </p:timing>
 </p:sld>
 </file>
 
@@ -10260,158 +10180,17 @@
   <p:clrMapOvr>
     <a:masterClrMapping/>
   </p:clrMapOvr>
+  <p:timing>
+    <p:tnLst>
+      <p:par>
+        <p:cTn id="1" dur="indefinite" restart="never" nodeType="tmRoot"/>
+      </p:par>
+    </p:tnLst>
+  </p:timing>
 </p:sld>
 </file>
 
 <file path=ppt/slides/slide3.xml><?xml version="1.0" encoding="utf-8"?>
-<p:sld xmlns:a="http://schemas.openxmlformats.org/drawingml/2006/main" xmlns:r="http://schemas.openxmlformats.org/officeDocument/2006/relationships" xmlns:p="http://schemas.openxmlformats.org/presentationml/2006/main">
-  <p:cSld>
-    <p:spTree>
-      <p:nvGrpSpPr>
-        <p:cNvPr id="1" name=""/>
-        <p:cNvGrpSpPr/>
-        <p:nvPr/>
-      </p:nvGrpSpPr>
-      <p:grpSpPr>
-        <a:xfrm>
-          <a:off x="0" y="0"/>
-          <a:ext cx="0" cy="0"/>
-          <a:chOff x="0" y="0"/>
-          <a:chExt cx="0" cy="0"/>
-        </a:xfrm>
-      </p:grpSpPr>
-      <p:sp>
-        <p:nvSpPr>
-          <p:cNvPr id="2" name="Title 1"/>
-          <p:cNvSpPr>
-            <a:spLocks noGrp="1"/>
-          </p:cNvSpPr>
-          <p:nvPr>
-            <p:ph type="title"/>
-          </p:nvPr>
-        </p:nvSpPr>
-        <p:spPr/>
-        <p:txBody>
-          <a:bodyPr/>
-          <a:lstStyle/>
-          <a:p>
-            <a:r>
-              <a:rPr lang="en-US" dirty="0" smtClean="0"/>
-              <a:t>Background </a:t>
-            </a:r>
-            <a:r>
-              <a:rPr lang="mr-IN" dirty="0" smtClean="0"/>
-              <a:t>–</a:t>
-            </a:r>
-            <a:r>
-              <a:rPr lang="en-US" dirty="0" smtClean="0"/>
-              <a:t> Solar Generation</a:t>
-            </a:r>
-            <a:endParaRPr lang="en-US" dirty="0"/>
-          </a:p>
-        </p:txBody>
-      </p:sp>
-      <p:sp>
-        <p:nvSpPr>
-          <p:cNvPr id="3" name="Content Placeholder 2"/>
-          <p:cNvSpPr>
-            <a:spLocks noGrp="1"/>
-          </p:cNvSpPr>
-          <p:nvPr>
-            <p:ph idx="1"/>
-          </p:nvPr>
-        </p:nvSpPr>
-        <p:spPr/>
-        <p:txBody>
-          <a:bodyPr>
-            <a:normAutofit/>
-          </a:bodyPr>
-          <a:lstStyle/>
-          <a:p>
-            <a:r>
-              <a:rPr lang="en-US" altLang="zh-TW" sz="2800" dirty="0" smtClean="0"/>
-              <a:t>Productivity</a:t>
-            </a:r>
-            <a:r>
-              <a:rPr lang="zh-TW" altLang="en-US" sz="2800" dirty="0" smtClean="0"/>
-              <a:t> </a:t>
-            </a:r>
-            <a:r>
-              <a:rPr lang="en-US" altLang="zh-TW" sz="2800" dirty="0" smtClean="0"/>
-              <a:t>depends</a:t>
-            </a:r>
-            <a:r>
-              <a:rPr lang="zh-TW" altLang="en-US" sz="2800" dirty="0" smtClean="0"/>
-              <a:t> </a:t>
-            </a:r>
-            <a:r>
-              <a:rPr lang="en-US" altLang="zh-TW" sz="2800" dirty="0" smtClean="0"/>
-              <a:t>on</a:t>
-            </a:r>
-            <a:r>
-              <a:rPr lang="zh-TW" altLang="en-US" sz="2800" dirty="0" smtClean="0"/>
-              <a:t> </a:t>
-            </a:r>
-            <a:r>
-              <a:rPr lang="en-US" altLang="zh-TW" sz="2800" dirty="0" smtClean="0"/>
-              <a:t>weather</a:t>
-            </a:r>
-            <a:r>
-              <a:rPr lang="zh-TW" altLang="en-US" sz="2800" dirty="0" smtClean="0"/>
-              <a:t> </a:t>
-            </a:r>
-            <a:r>
-              <a:rPr lang="en-US" altLang="zh-TW" sz="2800" dirty="0" smtClean="0"/>
-              <a:t>condition</a:t>
-            </a:r>
-            <a:endParaRPr lang="en-US" sz="2800" dirty="0"/>
-          </a:p>
-        </p:txBody>
-      </p:sp>
-      <p:pic>
-        <p:nvPicPr>
-          <p:cNvPr id="4" name="Picture 3"/>
-          <p:cNvPicPr>
-            <a:picLocks noChangeAspect="1"/>
-          </p:cNvPicPr>
-          <p:nvPr/>
-        </p:nvPicPr>
-        <p:blipFill>
-          <a:blip r:embed="rId2">
-            <a:extLst>
-              <a:ext uri="{28A0092B-C50C-407E-A947-70E740481C1C}">
-                <a14:useLocalDpi xmlns:a14="http://schemas.microsoft.com/office/drawing/2010/main" val="0"/>
-              </a:ext>
-            </a:extLst>
-          </a:blip>
-          <a:stretch>
-            <a:fillRect/>
-          </a:stretch>
-        </p:blipFill>
-        <p:spPr>
-          <a:xfrm>
-            <a:off x="3054096" y="2891396"/>
-            <a:ext cx="6620256" cy="3620915"/>
-          </a:xfrm>
-          <a:prstGeom prst="rect">
-            <a:avLst/>
-          </a:prstGeom>
-        </p:spPr>
-      </p:pic>
-    </p:spTree>
-    <p:extLst>
-      <p:ext uri="{BB962C8B-B14F-4D97-AF65-F5344CB8AC3E}">
-        <p14:creationId xmlns:p14="http://schemas.microsoft.com/office/powerpoint/2010/main" val="2106394013"/>
-      </p:ext>
-    </p:extLst>
-  </p:cSld>
-  <p:clrMapOvr>
-    <a:masterClrMapping/>
-  </p:clrMapOvr>
-</p:sld>
-</file>
-
-<file path=ppt/slides/slide4.xml><?xml version="1.0" encoding="utf-8"?>
 <p:sld xmlns:a="http://schemas.openxmlformats.org/drawingml/2006/main" xmlns:r="http://schemas.openxmlformats.org/officeDocument/2006/relationships" xmlns:p="http://schemas.openxmlformats.org/presentationml/2006/main">
   <p:cSld>
     <p:spTree>
@@ -10582,10 +10361,17 @@
   <p:clrMapOvr>
     <a:masterClrMapping/>
   </p:clrMapOvr>
+  <p:timing>
+    <p:tnLst>
+      <p:par>
+        <p:cTn id="1" dur="indefinite" restart="never" nodeType="tmRoot"/>
+      </p:par>
+    </p:tnLst>
+  </p:timing>
 </p:sld>
 </file>
 
-<file path=ppt/slides/slide5.xml><?xml version="1.0" encoding="utf-8"?>
+<file path=ppt/slides/slide4.xml><?xml version="1.0" encoding="utf-8"?>
 <p:sld xmlns:a="http://schemas.openxmlformats.org/drawingml/2006/main" xmlns:r="http://schemas.openxmlformats.org/officeDocument/2006/relationships" xmlns:p="http://schemas.openxmlformats.org/presentationml/2006/main">
   <p:cSld>
     <p:spTree>
@@ -10703,10 +10489,17 @@
   <p:clrMapOvr>
     <a:masterClrMapping/>
   </p:clrMapOvr>
+  <p:timing>
+    <p:tnLst>
+      <p:par>
+        <p:cTn id="1" dur="indefinite" restart="never" nodeType="tmRoot"/>
+      </p:par>
+    </p:tnLst>
+  </p:timing>
 </p:sld>
 </file>
 
-<file path=ppt/slides/slide6.xml><?xml version="1.0" encoding="utf-8"?>
+<file path=ppt/slides/slide5.xml><?xml version="1.0" encoding="utf-8"?>
 <p:sld xmlns:a="http://schemas.openxmlformats.org/drawingml/2006/main" xmlns:r="http://schemas.openxmlformats.org/officeDocument/2006/relationships" xmlns:p="http://schemas.openxmlformats.org/presentationml/2006/main">
   <p:cSld>
     <p:spTree>
@@ -10920,6 +10713,353 @@
     <p:extLst>
       <p:ext uri="{BB962C8B-B14F-4D97-AF65-F5344CB8AC3E}">
         <p14:creationId xmlns:p14="http://schemas.microsoft.com/office/powerpoint/2010/main" val="419905553"/>
+      </p:ext>
+    </p:extLst>
+  </p:cSld>
+  <p:clrMapOvr>
+    <a:masterClrMapping/>
+  </p:clrMapOvr>
+  <p:timing>
+    <p:tnLst>
+      <p:par>
+        <p:cTn id="1" dur="indefinite" restart="never" nodeType="tmRoot"/>
+      </p:par>
+    </p:tnLst>
+  </p:timing>
+</p:sld>
+</file>
+
+<file path=ppt/slides/slide6.xml><?xml version="1.0" encoding="utf-8"?>
+<p:sld xmlns:a="http://schemas.openxmlformats.org/drawingml/2006/main" xmlns:r="http://schemas.openxmlformats.org/officeDocument/2006/relationships" xmlns:p="http://schemas.openxmlformats.org/presentationml/2006/main">
+  <p:cSld>
+    <p:spTree>
+      <p:nvGrpSpPr>
+        <p:cNvPr id="1" name=""/>
+        <p:cNvGrpSpPr/>
+        <p:nvPr/>
+      </p:nvGrpSpPr>
+      <p:grpSpPr>
+        <a:xfrm>
+          <a:off x="0" y="0"/>
+          <a:ext cx="0" cy="0"/>
+          <a:chOff x="0" y="0"/>
+          <a:chExt cx="0" cy="0"/>
+        </a:xfrm>
+      </p:grpSpPr>
+      <p:sp>
+        <p:nvSpPr>
+          <p:cNvPr id="2" name="Title 1"/>
+          <p:cNvSpPr>
+            <a:spLocks noGrp="1"/>
+          </p:cNvSpPr>
+          <p:nvPr>
+            <p:ph type="title"/>
+          </p:nvPr>
+        </p:nvSpPr>
+        <p:spPr/>
+        <p:txBody>
+          <a:bodyPr/>
+          <a:lstStyle/>
+          <a:p>
+            <a:r>
+              <a:rPr lang="en-US" dirty="0" smtClean="0"/>
+              <a:t>Motivation</a:t>
+            </a:r>
+            <a:endParaRPr lang="en-US" dirty="0"/>
+          </a:p>
+        </p:txBody>
+      </p:sp>
+      <p:sp>
+        <p:nvSpPr>
+          <p:cNvPr id="3" name="Content Placeholder 2"/>
+          <p:cNvSpPr>
+            <a:spLocks noGrp="1"/>
+          </p:cNvSpPr>
+          <p:nvPr>
+            <p:ph idx="1"/>
+          </p:nvPr>
+        </p:nvSpPr>
+        <p:spPr/>
+        <p:txBody>
+          <a:bodyPr>
+            <a:normAutofit/>
+          </a:bodyPr>
+          <a:lstStyle/>
+          <a:p>
+            <a:r>
+              <a:rPr lang="en-US" altLang="zh-TW" sz="2800" dirty="0" smtClean="0"/>
+              <a:t>Technique</a:t>
+            </a:r>
+            <a:r>
+              <a:rPr lang="zh-TW" altLang="en-US" sz="2800" dirty="0" smtClean="0"/>
+              <a:t> </a:t>
+            </a:r>
+            <a:r>
+              <a:rPr lang="en-US" altLang="zh-TW" sz="2800" dirty="0" smtClean="0"/>
+              <a:t>of</a:t>
+            </a:r>
+            <a:r>
+              <a:rPr lang="zh-TW" altLang="en-US" sz="2800" dirty="0" smtClean="0"/>
+              <a:t> </a:t>
+            </a:r>
+            <a:r>
+              <a:rPr lang="en-US" altLang="zh-TW" sz="2800" dirty="0" smtClean="0"/>
+              <a:t>solar</a:t>
+            </a:r>
+            <a:r>
+              <a:rPr lang="zh-TW" altLang="en-US" sz="2800" dirty="0" smtClean="0"/>
+              <a:t> </a:t>
+            </a:r>
+            <a:r>
+              <a:rPr lang="en-US" altLang="zh-TW" sz="2800" dirty="0" smtClean="0"/>
+              <a:t>panel</a:t>
+            </a:r>
+            <a:r>
+              <a:rPr lang="zh-TW" altLang="en-US" sz="2800" dirty="0" smtClean="0"/>
+              <a:t> </a:t>
+            </a:r>
+            <a:r>
+              <a:rPr lang="en-US" altLang="zh-TW" sz="2800" dirty="0" smtClean="0"/>
+              <a:t>improved</a:t>
+            </a:r>
+            <a:r>
+              <a:rPr lang="zh-TW" altLang="en-US" sz="2800" dirty="0" smtClean="0"/>
+              <a:t> </a:t>
+            </a:r>
+            <a:r>
+              <a:rPr lang="en-US" altLang="zh-TW" sz="2800" dirty="0" smtClean="0"/>
+              <a:t>and</a:t>
+            </a:r>
+            <a:r>
+              <a:rPr lang="zh-TW" altLang="en-US" sz="2800" dirty="0" smtClean="0"/>
+              <a:t> </a:t>
+            </a:r>
+            <a:r>
+              <a:rPr lang="en-US" altLang="zh-TW" sz="2800" dirty="0" smtClean="0"/>
+              <a:t>become</a:t>
+            </a:r>
+            <a:r>
+              <a:rPr lang="zh-TW" altLang="en-US" sz="2800" dirty="0" smtClean="0"/>
+              <a:t> </a:t>
+            </a:r>
+            <a:r>
+              <a:rPr lang="en-US" altLang="zh-TW" sz="2800" dirty="0" smtClean="0"/>
+              <a:t>more</a:t>
+            </a:r>
+            <a:r>
+              <a:rPr lang="zh-TW" altLang="en-US" sz="2800" dirty="0" smtClean="0"/>
+              <a:t> </a:t>
+            </a:r>
+            <a:r>
+              <a:rPr lang="en-US" altLang="zh-TW" sz="2800" dirty="0" smtClean="0"/>
+              <a:t>popular</a:t>
+            </a:r>
+            <a:r>
+              <a:rPr lang="zh-TW" altLang="en-US" sz="2800" dirty="0" smtClean="0"/>
+              <a:t> </a:t>
+            </a:r>
+            <a:r>
+              <a:rPr lang="en-US" altLang="zh-TW" sz="2800" dirty="0" smtClean="0"/>
+              <a:t>these</a:t>
+            </a:r>
+            <a:r>
+              <a:rPr lang="zh-TW" altLang="en-US" sz="2800" dirty="0" smtClean="0"/>
+              <a:t> </a:t>
+            </a:r>
+            <a:r>
+              <a:rPr lang="en-US" altLang="zh-TW" sz="2800" dirty="0" smtClean="0"/>
+              <a:t>days</a:t>
+            </a:r>
+          </a:p>
+          <a:p>
+            <a:r>
+              <a:rPr lang="en-US" altLang="zh-TW" sz="2800" dirty="0" smtClean="0"/>
+              <a:t>We’re</a:t>
+            </a:r>
+            <a:r>
+              <a:rPr lang="zh-TW" altLang="en-US" sz="2800" dirty="0" smtClean="0"/>
+              <a:t> </a:t>
+            </a:r>
+            <a:r>
+              <a:rPr lang="en-US" altLang="zh-TW" sz="2800" dirty="0" smtClean="0"/>
+              <a:t>able</a:t>
+            </a:r>
+            <a:r>
+              <a:rPr lang="zh-TW" altLang="en-US" sz="2800" dirty="0" smtClean="0"/>
+              <a:t> </a:t>
+            </a:r>
+            <a:r>
+              <a:rPr lang="en-US" altLang="zh-TW" sz="2800" dirty="0" smtClean="0"/>
+              <a:t>to</a:t>
+            </a:r>
+            <a:r>
+              <a:rPr lang="zh-TW" altLang="en-US" sz="2800" dirty="0" smtClean="0"/>
+              <a:t> </a:t>
+            </a:r>
+            <a:r>
+              <a:rPr lang="en-US" altLang="zh-TW" sz="2800" dirty="0" smtClean="0"/>
+              <a:t>control</a:t>
+            </a:r>
+            <a:r>
+              <a:rPr lang="zh-TW" altLang="en-US" sz="2800" dirty="0" smtClean="0"/>
+              <a:t> </a:t>
+            </a:r>
+            <a:r>
+              <a:rPr lang="en-US" altLang="zh-TW" sz="2800" dirty="0" smtClean="0"/>
+              <a:t>the</a:t>
+            </a:r>
+            <a:r>
+              <a:rPr lang="zh-TW" altLang="en-US" sz="2800" dirty="0" smtClean="0"/>
+              <a:t> </a:t>
+            </a:r>
+            <a:r>
+              <a:rPr lang="en-US" altLang="zh-TW" sz="2800" dirty="0" smtClean="0"/>
+              <a:t>producing</a:t>
+            </a:r>
+            <a:r>
+              <a:rPr lang="zh-TW" altLang="en-US" sz="2800" dirty="0" smtClean="0"/>
+              <a:t> </a:t>
+            </a:r>
+            <a:r>
+              <a:rPr lang="en-US" altLang="zh-TW" sz="2800" dirty="0" smtClean="0"/>
+              <a:t>rate</a:t>
+            </a:r>
+            <a:r>
+              <a:rPr lang="zh-TW" altLang="en-US" sz="2800" dirty="0" smtClean="0"/>
+              <a:t> </a:t>
+            </a:r>
+            <a:r>
+              <a:rPr lang="en-US" altLang="zh-TW" sz="2800" dirty="0" smtClean="0"/>
+              <a:t>of</a:t>
+            </a:r>
+            <a:r>
+              <a:rPr lang="zh-TW" altLang="en-US" sz="2800" dirty="0" smtClean="0"/>
+              <a:t> </a:t>
+            </a:r>
+            <a:r>
+              <a:rPr lang="en-US" altLang="zh-TW" sz="2800" dirty="0" smtClean="0"/>
+              <a:t>solar</a:t>
+            </a:r>
+            <a:r>
+              <a:rPr lang="zh-TW" altLang="en-US" sz="2800" dirty="0" smtClean="0"/>
+              <a:t> </a:t>
+            </a:r>
+            <a:r>
+              <a:rPr lang="en-US" altLang="zh-TW" sz="2800" dirty="0" smtClean="0"/>
+              <a:t>panel.</a:t>
+            </a:r>
+            <a:r>
+              <a:rPr lang="zh-TW" altLang="en-US" sz="2800" dirty="0" smtClean="0"/>
+              <a:t> </a:t>
+            </a:r>
+            <a:r>
+              <a:rPr lang="en-US" altLang="zh-TW" sz="2800" dirty="0" smtClean="0"/>
+              <a:t>Are</a:t>
+            </a:r>
+            <a:r>
+              <a:rPr lang="zh-TW" altLang="en-US" sz="2800" dirty="0" smtClean="0"/>
+              <a:t> </a:t>
+            </a:r>
+            <a:r>
+              <a:rPr lang="en-US" altLang="zh-TW" sz="2800" dirty="0" smtClean="0"/>
+              <a:t>we</a:t>
+            </a:r>
+            <a:r>
+              <a:rPr lang="zh-TW" altLang="en-US" sz="2800" dirty="0" smtClean="0"/>
+              <a:t> </a:t>
+            </a:r>
+            <a:r>
+              <a:rPr lang="en-US" altLang="zh-TW" sz="2800" dirty="0" smtClean="0"/>
+              <a:t>able</a:t>
+            </a:r>
+            <a:r>
+              <a:rPr lang="zh-TW" altLang="en-US" sz="2800" dirty="0" smtClean="0"/>
+              <a:t> </a:t>
+            </a:r>
+            <a:r>
+              <a:rPr lang="en-US" altLang="zh-TW" sz="2800" dirty="0" smtClean="0"/>
+              <a:t>to</a:t>
+            </a:r>
+            <a:r>
+              <a:rPr lang="zh-TW" altLang="en-US" sz="2800" dirty="0" smtClean="0"/>
+              <a:t> </a:t>
+            </a:r>
+            <a:r>
+              <a:rPr lang="en-US" altLang="zh-TW" sz="2800" dirty="0" smtClean="0"/>
+              <a:t>well</a:t>
+            </a:r>
+            <a:r>
+              <a:rPr lang="zh-TW" altLang="en-US" sz="2800" dirty="0" smtClean="0"/>
+              <a:t> </a:t>
+            </a:r>
+            <a:r>
+              <a:rPr lang="en-US" altLang="zh-TW" sz="2800" dirty="0" smtClean="0"/>
+              <a:t>use</a:t>
+            </a:r>
+            <a:r>
+              <a:rPr lang="zh-TW" altLang="en-US" sz="2800" dirty="0" smtClean="0"/>
+              <a:t> </a:t>
+            </a:r>
+            <a:r>
+              <a:rPr lang="en-US" altLang="zh-TW" sz="2800" dirty="0" smtClean="0"/>
+              <a:t>those</a:t>
+            </a:r>
+            <a:r>
+              <a:rPr lang="zh-TW" altLang="en-US" sz="2800" dirty="0" smtClean="0"/>
+              <a:t> </a:t>
+            </a:r>
+            <a:r>
+              <a:rPr lang="en-US" altLang="zh-TW" sz="2800" dirty="0" smtClean="0"/>
+              <a:t>surplus</a:t>
+            </a:r>
+            <a:r>
+              <a:rPr lang="zh-TW" altLang="en-US" sz="2800" dirty="0" smtClean="0"/>
+              <a:t> </a:t>
+            </a:r>
+            <a:r>
+              <a:rPr lang="en-US" altLang="zh-TW" sz="2800" dirty="0" smtClean="0"/>
+              <a:t>electricity</a:t>
+            </a:r>
+            <a:r>
+              <a:rPr lang="zh-TW" altLang="en-US" sz="2800" dirty="0" smtClean="0"/>
+              <a:t> </a:t>
+            </a:r>
+            <a:r>
+              <a:rPr lang="en-US" altLang="zh-TW" sz="2800" dirty="0" smtClean="0"/>
+              <a:t>rather</a:t>
+            </a:r>
+            <a:r>
+              <a:rPr lang="zh-TW" altLang="en-US" sz="2800" dirty="0" smtClean="0"/>
+              <a:t> </a:t>
+            </a:r>
+            <a:r>
+              <a:rPr lang="en-US" altLang="zh-TW" sz="2800" dirty="0" smtClean="0"/>
+              <a:t>than</a:t>
+            </a:r>
+            <a:r>
+              <a:rPr lang="zh-TW" altLang="en-US" sz="2800" dirty="0" smtClean="0"/>
+              <a:t> </a:t>
+            </a:r>
+            <a:r>
+              <a:rPr lang="en-US" altLang="zh-TW" sz="2800" dirty="0" smtClean="0"/>
+              <a:t>reducing</a:t>
+            </a:r>
+            <a:r>
+              <a:rPr lang="zh-TW" altLang="en-US" sz="2800" dirty="0" smtClean="0"/>
+              <a:t> </a:t>
+            </a:r>
+            <a:r>
+              <a:rPr lang="en-US" altLang="zh-TW" sz="2800" dirty="0" smtClean="0"/>
+              <a:t>them.</a:t>
+            </a:r>
+            <a:endParaRPr lang="en-US" sz="2800" dirty="0"/>
+          </a:p>
+        </p:txBody>
+      </p:sp>
+    </p:spTree>
+    <p:extLst>
+      <p:ext uri="{BB962C8B-B14F-4D97-AF65-F5344CB8AC3E}">
+        <p14:creationId xmlns:p14="http://schemas.microsoft.com/office/powerpoint/2010/main" val="1564100673"/>
       </p:ext>
     </p:extLst>
   </p:cSld>
@@ -11711,6 +11851,13 @@
   <p:clrMapOvr>
     <a:masterClrMapping/>
   </p:clrMapOvr>
+  <p:timing>
+    <p:tnLst>
+      <p:par>
+        <p:cTn id="1" dur="indefinite" restart="never" nodeType="tmRoot"/>
+      </p:par>
+    </p:tnLst>
+  </p:timing>
 </p:sld>
 </file>
 
